--- a/documents/surf_unsupervised-v2.pptx
+++ b/documents/surf_unsupervised-v2.pptx
@@ -3519,8 +3519,8 @@
         </p:nvSpPr>
         <p:spPr>
           <a:xfrm>
-            <a:off x="0" y="-2120583"/>
-            <a:ext cx="21383625" cy="32395796"/>
+            <a:off x="0" y="-635"/>
+            <a:ext cx="21383625" cy="30275530"/>
           </a:xfrm>
           <a:prstGeom prst="rect">
             <a:avLst/>
@@ -3584,8 +3584,8 @@
         </p:blipFill>
         <p:spPr>
           <a:xfrm>
-            <a:off x="323691" y="-607695"/>
-            <a:ext cx="5635625" cy="2145665"/>
+            <a:off x="142240" y="90170"/>
+            <a:ext cx="4923155" cy="1545590"/>
           </a:xfrm>
           <a:prstGeom prst="rect">
             <a:avLst/>
@@ -3603,8 +3603,8 @@
         </p:nvSpPr>
         <p:spPr>
           <a:xfrm>
-            <a:off x="6217761" y="-671195"/>
-            <a:ext cx="14935200" cy="1938020"/>
+            <a:off x="6448266" y="-6985"/>
+            <a:ext cx="14935200" cy="1753235"/>
           </a:xfrm>
           <a:prstGeom prst="rect">
             <a:avLst/>
@@ -3619,7 +3619,7 @@
           <a:p>
             <a:pPr algn="ctr"/>
             <a:r>
-              <a:rPr lang="en-US" altLang="zh-CN" sz="6000" b="1" i="1" dirty="0">
+              <a:rPr lang="en-US" altLang="zh-CN" sz="5400" b="1" i="1" dirty="0">
                 <a:solidFill>
                   <a:schemeClr val="bg1"/>
                 </a:solidFill>
@@ -3630,7 +3630,7 @@
               </a:rPr>
               <a:t>Unsupervised Exploration and Offline Reinforcement Learning</a:t>
             </a:r>
-            <a:endParaRPr lang="en-US" altLang="zh-CN" sz="6000" b="1" i="1" dirty="0">
+            <a:endParaRPr lang="en-US" altLang="zh-CN" sz="5400" b="1" i="1" dirty="0">
               <a:solidFill>
                 <a:schemeClr val="bg1"/>
               </a:solidFill>
@@ -3918,7 +3918,7 @@
         </p:nvSpPr>
         <p:spPr>
           <a:xfrm>
-            <a:off x="323691" y="1190741"/>
+            <a:off x="323056" y="1562851"/>
             <a:ext cx="4803775" cy="368300"/>
           </a:xfrm>
           <a:prstGeom prst="rect">
@@ -3934,12 +3934,21 @@
           <a:p>
             <a:r>
               <a:rPr lang="zh-CN" altLang="en-US" b="1" i="1" dirty="0">
+                <a:solidFill>
+                  <a:schemeClr val="bg1"/>
+                </a:solidFill>
                 <a:cs typeface="+mn-lt"/>
                 <a:sym typeface="+mn-ea"/>
               </a:rPr>
               <a:t>SURF-2024-0183</a:t>
             </a:r>
-            <a:endParaRPr lang="zh-CN" altLang="en-US"/>
+            <a:endParaRPr lang="zh-CN" altLang="en-US" b="1" i="1" dirty="0">
+              <a:solidFill>
+                <a:schemeClr val="bg1"/>
+              </a:solidFill>
+              <a:cs typeface="+mn-lt"/>
+              <a:sym typeface="+mn-ea"/>
+            </a:endParaRPr>
           </a:p>
         </p:txBody>
       </p:sp>
@@ -6572,6 +6581,15 @@
 </file>
 
 <file path=customXml/item1.xml><?xml version="1.0" encoding="utf-8"?>
+<?mso-contentType ?>
+<FormTemplates xmlns="http://schemas.microsoft.com/sharepoint/v3/contenttype/forms">
+  <Display>DocumentLibraryForm</Display>
+  <Edit>DocumentLibraryForm</Edit>
+  <New>DocumentLibraryForm</New>
+</FormTemplates>
+</file>
+
+<file path=customXml/item2.xml><?xml version="1.0" encoding="utf-8"?>
 <p:properties xmlns:p="http://schemas.microsoft.com/office/2006/metadata/properties" xmlns:xsi="http://www.w3.org/2001/XMLSchema-instance" xmlns:pc="http://schemas.microsoft.com/office/infopath/2007/PartnerControls">
   <documentManagement>
     <_activity xmlns="74abc6ae-156d-4c1c-8be5-7649ed41577d" xsi:nil="true"/>
@@ -6579,7 +6597,7 @@
 </p:properties>
 </file>
 
-<file path=customXml/item2.xml><?xml version="1.0" encoding="utf-8"?>
+<file path=customXml/item3.xml><?xml version="1.0" encoding="utf-8"?>
 <ct:contentTypeSchema xmlns:ct="http://schemas.microsoft.com/office/2006/metadata/contentType" xmlns:ma="http://schemas.microsoft.com/office/2006/metadata/properties/metaAttributes" ct:_="" ma:_="" ma:contentTypeName="文档" ma:contentTypeID="0x01010073FB57F3AAA84846BE9C3AB9F82076C2" ma:contentTypeVersion="15" ma:contentTypeDescription="新建文档。" ma:contentTypeScope="" ma:versionID="c8598fcbde45aa55b84500288db1fd47">
   <xsd:schema xmlns:xsd="http://www.w3.org/2001/XMLSchema" xmlns:xs="http://www.w3.org/2001/XMLSchema" xmlns:p="http://schemas.microsoft.com/office/2006/metadata/properties" xmlns:ns3="74abc6ae-156d-4c1c-8be5-7649ed41577d" xmlns:ns4="53f12821-570a-40cf-bbf8-74c390ebce96" targetNamespace="http://schemas.microsoft.com/office/2006/metadata/properties" ma:root="true" ma:fieldsID="3ed0a16c3c59a3993cb60a8847d1cc47" ns3:_="" ns4:_="">
     <xsd:import namespace="74abc6ae-156d-4c1c-8be5-7649ed41577d"/>
@@ -6812,29 +6830,20 @@
 </ct:contentTypeSchema>
 </file>
 
-<file path=customXml/item3.xml><?xml version="1.0" encoding="utf-8"?>
-<?mso-contentType ?>
-<FormTemplates xmlns="http://schemas.microsoft.com/sharepoint/v3/contenttype/forms">
-  <Display>DocumentLibraryForm</Display>
-  <Edit>DocumentLibraryForm</Edit>
-  <New>DocumentLibraryForm</New>
-</FormTemplates>
+<file path=customXml/itemProps1.xml><?xml version="1.0" encoding="utf-8"?>
+<ds:datastoreItem xmlns:ds="http://schemas.openxmlformats.org/officeDocument/2006/customXml" ds:itemID="{8BC03095-8F6A-427E-871E-1E87E598D476}">
+  <ds:schemaRefs/>
+</ds:datastoreItem>
 </file>
 
-<file path=customXml/itemProps1.xml><?xml version="1.0" encoding="utf-8"?>
+<file path=customXml/itemProps2.xml><?xml version="1.0" encoding="utf-8"?>
 <ds:datastoreItem xmlns:ds="http://schemas.openxmlformats.org/officeDocument/2006/customXml" ds:itemID="{34C99517-70BB-4D11-9162-95B38512E7A9}">
   <ds:schemaRefs/>
 </ds:datastoreItem>
 </file>
 
-<file path=customXml/itemProps2.xml><?xml version="1.0" encoding="utf-8"?>
+<file path=customXml/itemProps3.xml><?xml version="1.0" encoding="utf-8"?>
 <ds:datastoreItem xmlns:ds="http://schemas.openxmlformats.org/officeDocument/2006/customXml" ds:itemID="{3ACD3829-573A-460D-BB8F-93AEDB9BCDDF}">
   <ds:schemaRefs/>
 </ds:datastoreItem>
-</file>
-
-<file path=customXml/itemProps3.xml><?xml version="1.0" encoding="utf-8"?>
-<ds:datastoreItem xmlns:ds="http://schemas.openxmlformats.org/officeDocument/2006/customXml" ds:itemID="{8BC03095-8F6A-427E-871E-1E87E598D476}">
-  <ds:schemaRefs/>
-</ds:datastoreItem>
 </file>
--- a/documents/surf_unsupervised-v2.pptx
+++ b/documents/surf_unsupervised-v2.pptx
@@ -6581,23 +6581,6 @@
 </file>
 
 <file path=customXml/item1.xml><?xml version="1.0" encoding="utf-8"?>
-<?mso-contentType ?>
-<FormTemplates xmlns="http://schemas.microsoft.com/sharepoint/v3/contenttype/forms">
-  <Display>DocumentLibraryForm</Display>
-  <Edit>DocumentLibraryForm</Edit>
-  <New>DocumentLibraryForm</New>
-</FormTemplates>
-</file>
-
-<file path=customXml/item2.xml><?xml version="1.0" encoding="utf-8"?>
-<p:properties xmlns:p="http://schemas.microsoft.com/office/2006/metadata/properties" xmlns:xsi="http://www.w3.org/2001/XMLSchema-instance" xmlns:pc="http://schemas.microsoft.com/office/infopath/2007/PartnerControls">
-  <documentManagement>
-    <_activity xmlns="74abc6ae-156d-4c1c-8be5-7649ed41577d" xsi:nil="true"/>
-  </documentManagement>
-</p:properties>
-</file>
-
-<file path=customXml/item3.xml><?xml version="1.0" encoding="utf-8"?>
 <ct:contentTypeSchema xmlns:ct="http://schemas.microsoft.com/office/2006/metadata/contentType" xmlns:ma="http://schemas.microsoft.com/office/2006/metadata/properties/metaAttributes" ct:_="" ma:_="" ma:contentTypeName="文档" ma:contentTypeID="0x01010073FB57F3AAA84846BE9C3AB9F82076C2" ma:contentTypeVersion="15" ma:contentTypeDescription="新建文档。" ma:contentTypeScope="" ma:versionID="c8598fcbde45aa55b84500288db1fd47">
   <xsd:schema xmlns:xsd="http://www.w3.org/2001/XMLSchema" xmlns:xs="http://www.w3.org/2001/XMLSchema" xmlns:p="http://schemas.microsoft.com/office/2006/metadata/properties" xmlns:ns3="74abc6ae-156d-4c1c-8be5-7649ed41577d" xmlns:ns4="53f12821-570a-40cf-bbf8-74c390ebce96" targetNamespace="http://schemas.microsoft.com/office/2006/metadata/properties" ma:root="true" ma:fieldsID="3ed0a16c3c59a3993cb60a8847d1cc47" ns3:_="" ns4:_="">
     <xsd:import namespace="74abc6ae-156d-4c1c-8be5-7649ed41577d"/>
@@ -6830,20 +6813,37 @@
 </ct:contentTypeSchema>
 </file>
 
+<file path=customXml/item2.xml><?xml version="1.0" encoding="utf-8"?>
+<?mso-contentType ?>
+<FormTemplates xmlns="http://schemas.microsoft.com/sharepoint/v3/contenttype/forms">
+  <Display>DocumentLibraryForm</Display>
+  <Edit>DocumentLibraryForm</Edit>
+  <New>DocumentLibraryForm</New>
+</FormTemplates>
+</file>
+
+<file path=customXml/item3.xml><?xml version="1.0" encoding="utf-8"?>
+<p:properties xmlns:p="http://schemas.microsoft.com/office/2006/metadata/properties" xmlns:xsi="http://www.w3.org/2001/XMLSchema-instance" xmlns:pc="http://schemas.microsoft.com/office/infopath/2007/PartnerControls">
+  <documentManagement>
+    <_activity xmlns="74abc6ae-156d-4c1c-8be5-7649ed41577d" xsi:nil="true"/>
+  </documentManagement>
+</p:properties>
+</file>
+
 <file path=customXml/itemProps1.xml><?xml version="1.0" encoding="utf-8"?>
+<ds:datastoreItem xmlns:ds="http://schemas.openxmlformats.org/officeDocument/2006/customXml" ds:itemID="{3ACD3829-573A-460D-BB8F-93AEDB9BCDDF}">
+  <ds:schemaRefs/>
+</ds:datastoreItem>
+</file>
+
+<file path=customXml/itemProps2.xml><?xml version="1.0" encoding="utf-8"?>
 <ds:datastoreItem xmlns:ds="http://schemas.openxmlformats.org/officeDocument/2006/customXml" ds:itemID="{8BC03095-8F6A-427E-871E-1E87E598D476}">
   <ds:schemaRefs/>
 </ds:datastoreItem>
 </file>
 
-<file path=customXml/itemProps2.xml><?xml version="1.0" encoding="utf-8"?>
+<file path=customXml/itemProps3.xml><?xml version="1.0" encoding="utf-8"?>
 <ds:datastoreItem xmlns:ds="http://schemas.openxmlformats.org/officeDocument/2006/customXml" ds:itemID="{34C99517-70BB-4D11-9162-95B38512E7A9}">
   <ds:schemaRefs/>
 </ds:datastoreItem>
-</file>
-
-<file path=customXml/itemProps3.xml><?xml version="1.0" encoding="utf-8"?>
-<ds:datastoreItem xmlns:ds="http://schemas.openxmlformats.org/officeDocument/2006/customXml" ds:itemID="{3ACD3829-573A-460D-BB8F-93AEDB9BCDDF}">
-  <ds:schemaRefs/>
-</ds:datastoreItem>
 </file>